--- a/PLPTH813Bioinformatis/2019/labs/lab9_qtl_gwas.pptx
+++ b/PLPTH813Bioinformatis/2019/labs/lab9_qtl_gwas.pptx
@@ -213,7 +213,7 @@
           <a:p>
             <a:fld id="{08E6E0A8-E17C-C949-B17E-7A1A6494483A}" type="datetimeFigureOut">
               <a:rPr lang="en-US" smtClean="0"/>
-              <a:t>3/28/19</a:t>
+              <a:t>4/2/19</a:t>
             </a:fld>
             <a:endParaRPr lang="en-US"/>
           </a:p>
@@ -662,7 +662,7 @@
           <a:p>
             <a:fld id="{42B8B0BE-C8D7-EB48-AD68-71DB5002F24B}" type="datetimeFigureOut">
               <a:rPr lang="en-US" smtClean="0"/>
-              <a:t>3/28/19</a:t>
+              <a:t>4/2/19</a:t>
             </a:fld>
             <a:endParaRPr lang="en-US"/>
           </a:p>
@@ -832,7 +832,7 @@
           <a:p>
             <a:fld id="{42B8B0BE-C8D7-EB48-AD68-71DB5002F24B}" type="datetimeFigureOut">
               <a:rPr lang="en-US" smtClean="0"/>
-              <a:t>3/28/19</a:t>
+              <a:t>4/2/19</a:t>
             </a:fld>
             <a:endParaRPr lang="en-US"/>
           </a:p>
@@ -1012,7 +1012,7 @@
           <a:p>
             <a:fld id="{42B8B0BE-C8D7-EB48-AD68-71DB5002F24B}" type="datetimeFigureOut">
               <a:rPr lang="en-US" smtClean="0"/>
-              <a:t>3/28/19</a:t>
+              <a:t>4/2/19</a:t>
             </a:fld>
             <a:endParaRPr lang="en-US"/>
           </a:p>
@@ -1182,7 +1182,7 @@
           <a:p>
             <a:fld id="{42B8B0BE-C8D7-EB48-AD68-71DB5002F24B}" type="datetimeFigureOut">
               <a:rPr lang="en-US" smtClean="0"/>
-              <a:t>3/28/19</a:t>
+              <a:t>4/2/19</a:t>
             </a:fld>
             <a:endParaRPr lang="en-US"/>
           </a:p>
@@ -1428,7 +1428,7 @@
           <a:p>
             <a:fld id="{42B8B0BE-C8D7-EB48-AD68-71DB5002F24B}" type="datetimeFigureOut">
               <a:rPr lang="en-US" smtClean="0"/>
-              <a:t>3/28/19</a:t>
+              <a:t>4/2/19</a:t>
             </a:fld>
             <a:endParaRPr lang="en-US"/>
           </a:p>
@@ -1716,7 +1716,7 @@
           <a:p>
             <a:fld id="{42B8B0BE-C8D7-EB48-AD68-71DB5002F24B}" type="datetimeFigureOut">
               <a:rPr lang="en-US" smtClean="0"/>
-              <a:t>3/28/19</a:t>
+              <a:t>4/2/19</a:t>
             </a:fld>
             <a:endParaRPr lang="en-US"/>
           </a:p>
@@ -2138,7 +2138,7 @@
           <a:p>
             <a:fld id="{42B8B0BE-C8D7-EB48-AD68-71DB5002F24B}" type="datetimeFigureOut">
               <a:rPr lang="en-US" smtClean="0"/>
-              <a:t>3/28/19</a:t>
+              <a:t>4/2/19</a:t>
             </a:fld>
             <a:endParaRPr lang="en-US"/>
           </a:p>
@@ -2256,7 +2256,7 @@
           <a:p>
             <a:fld id="{42B8B0BE-C8D7-EB48-AD68-71DB5002F24B}" type="datetimeFigureOut">
               <a:rPr lang="en-US" smtClean="0"/>
-              <a:t>3/28/19</a:t>
+              <a:t>4/2/19</a:t>
             </a:fld>
             <a:endParaRPr lang="en-US"/>
           </a:p>
@@ -2351,7 +2351,7 @@
           <a:p>
             <a:fld id="{42B8B0BE-C8D7-EB48-AD68-71DB5002F24B}" type="datetimeFigureOut">
               <a:rPr lang="en-US" smtClean="0"/>
-              <a:t>3/28/19</a:t>
+              <a:t>4/2/19</a:t>
             </a:fld>
             <a:endParaRPr lang="en-US"/>
           </a:p>
@@ -2628,7 +2628,7 @@
           <a:p>
             <a:fld id="{42B8B0BE-C8D7-EB48-AD68-71DB5002F24B}" type="datetimeFigureOut">
               <a:rPr lang="en-US" smtClean="0"/>
-              <a:t>3/28/19</a:t>
+              <a:t>4/2/19</a:t>
             </a:fld>
             <a:endParaRPr lang="en-US"/>
           </a:p>
@@ -2881,7 +2881,7 @@
           <a:p>
             <a:fld id="{42B8B0BE-C8D7-EB48-AD68-71DB5002F24B}" type="datetimeFigureOut">
               <a:rPr lang="en-US" smtClean="0"/>
-              <a:t>3/28/19</a:t>
+              <a:t>4/2/19</a:t>
             </a:fld>
             <a:endParaRPr lang="en-US"/>
           </a:p>
@@ -3094,7 +3094,7 @@
           <a:p>
             <a:fld id="{42B8B0BE-C8D7-EB48-AD68-71DB5002F24B}" type="datetimeFigureOut">
               <a:rPr lang="en-US" smtClean="0"/>
-              <a:t>3/28/19</a:t>
+              <a:t>4/2/19</a:t>
             </a:fld>
             <a:endParaRPr lang="en-US"/>
           </a:p>
@@ -4965,6 +4965,31 @@
               <a:rPr lang="en-US" dirty="0" smtClean="0"/>
               <a:t>)</a:t>
             </a:r>
+          </a:p>
+          <a:p>
+            <a:pPr marL="0" indent="0">
+              <a:buNone/>
+            </a:pPr>
+            <a:r>
+              <a:rPr lang="en-US" dirty="0" err="1"/>
+              <a:t>biocLite</a:t>
+            </a:r>
+            <a:r>
+              <a:rPr lang="en-US" dirty="0"/>
+              <a:t>("</a:t>
+            </a:r>
+            <a:r>
+              <a:rPr lang="en-US" dirty="0" err="1"/>
+              <a:t>snpStats</a:t>
+            </a:r>
+            <a:r>
+              <a:rPr lang="en-US" dirty="0"/>
+              <a:t>”</a:t>
+            </a:r>
+            <a:r>
+              <a:rPr lang="en-US" dirty="0" smtClean="0"/>
+              <a:t>)</a:t>
+            </a:r>
             <a:endParaRPr lang="en-US" dirty="0"/>
           </a:p>
           <a:p>
@@ -5542,21 +5567,20 @@
             </a:r>
             <a:r>
               <a:rPr lang="en-US" sz="2000" dirty="0" smtClean="0"/>
+              <a:t>"/</a:t>
+            </a:r>
+            <a:r>
+              <a:rPr lang="en-US" sz="2000" dirty="0"/>
+              <a:t>homes/liu3zhen/teaching/datasets/</a:t>
+            </a:r>
+            <a:r>
+              <a:rPr lang="en-US" sz="2000" dirty="0" err="1"/>
+              <a:t>gwas</a:t>
+            </a:r>
+            <a:r>
+              <a:rPr lang="en-US" sz="2000" dirty="0"/>
               <a:t>"</a:t>
             </a:r>
-            <a:r>
-              <a:rPr lang="en-US" sz="2000" dirty="0"/>
-              <a:t>/homes/liu3zhen/teaching/BA17/Lab10_gwas/</a:t>
-            </a:r>
-            <a:r>
-              <a:rPr lang="en-US" sz="2000" dirty="0" err="1"/>
-              <a:t>GAPITdata</a:t>
-            </a:r>
-            <a:r>
-              <a:rPr lang="en-US" sz="2000" dirty="0" smtClean="0"/>
-              <a:t>"</a:t>
-            </a:r>
-            <a:endParaRPr lang="en-US" sz="2000" dirty="0"/>
           </a:p>
           <a:p>
             <a:pPr marL="0" indent="0">
@@ -5661,12 +5685,8 @@
               <a:t>mdp_genotype_test.hmp.txt</a:t>
             </a:r>
             <a:r>
-              <a:rPr lang="en-US" sz="2000" dirty="0"/>
-              <a:t>"</a:t>
-            </a:r>
-            <a:r>
               <a:rPr lang="en-US" sz="2000" dirty="0" smtClean="0"/>
-              <a:t>,)</a:t>
+              <a:t>")</a:t>
             </a:r>
             <a:r>
               <a:rPr lang="en-US" sz="2000" dirty="0"/>
@@ -5826,25 +5846,20 @@
             </a:r>
             <a:r>
               <a:rPr lang="en-US" sz="2000" dirty="0" smtClean="0"/>
-              <a:t>=</a:t>
+              <a:t>="</a:t>
+            </a:r>
+            <a:r>
+              <a:rPr lang="en-US" sz="2000" dirty="0"/>
+              <a:t>/homes/liu3zhen/teaching/datasets/</a:t>
+            </a:r>
+            <a:r>
+              <a:rPr lang="en-US" sz="2000" dirty="0" err="1"/>
+              <a:t>gwas</a:t>
             </a:r>
             <a:r>
               <a:rPr lang="en-US" sz="2000" dirty="0" smtClean="0"/>
               <a:t>"</a:t>
             </a:r>
-            <a:r>
-              <a:rPr lang="en-US" sz="2000" dirty="0"/>
-              <a:t>/homes/liu3zhen/teaching/datasets/</a:t>
-            </a:r>
-            <a:r>
-              <a:rPr lang="en-US" sz="2000" dirty="0" err="1"/>
-              <a:t>gwas</a:t>
-            </a:r>
-            <a:r>
-              <a:rPr lang="en-US" sz="2000" dirty="0" smtClean="0"/>
-              <a:t>"</a:t>
-            </a:r>
-            <a:endParaRPr lang="en-US" sz="2000" dirty="0" smtClean="0"/>
           </a:p>
           <a:p>
             <a:pPr marL="0" indent="0">
@@ -10355,6 +10370,13 @@
   <p:clrMapOvr>
     <a:masterClrMapping/>
   </p:clrMapOvr>
+  <p:timing>
+    <p:tnLst>
+      <p:par>
+        <p:cTn xmlns:p14="http://schemas.microsoft.com/office/powerpoint/2010/main" id="1" dur="indefinite" restart="never" nodeType="tmRoot"/>
+      </p:par>
+    </p:tnLst>
+  </p:timing>
 </p:sld>
 </file>
 
@@ -11575,7 +11597,7 @@
           <a:graphicData uri="http://schemas.openxmlformats.org/presentationml/2006/ole">
             <mc:AlternateContent xmlns:mc="http://schemas.openxmlformats.org/markup-compatibility/2006">
               <mc:Choice xmlns:v="urn:schemas-microsoft-com:vml" Requires="v">
-                <p:oleObj spid="_x0000_s1057" name="Worksheet" r:id="rId4" imgW="6273800" imgH="1346200" progId="Excel.Sheet.12">
+                <p:oleObj spid="_x0000_s1062" name="Worksheet" r:id="rId4" imgW="6273800" imgH="1346200" progId="Excel.Sheet.12">
                   <p:embed/>
                 </p:oleObj>
               </mc:Choice>
